--- a/veille_technologique Erwann 4.pptx
+++ b/veille_technologique Erwann 4.pptx
@@ -5,15 +5,14 @@
     <p:sldMasterId id="2147483648" r:id="rId3"/>
   </p:sldMasterIdLst>
   <p:notesMasterIdLst>
-    <p:notesMasterId r:id="rId10"/>
+    <p:notesMasterId r:id="rId9"/>
   </p:notesMasterIdLst>
   <p:sldIdLst>
     <p:sldId id="256" r:id="rId4"/>
     <p:sldId id="257" r:id="rId5"/>
-    <p:sldId id="258" r:id="rId6"/>
-    <p:sldId id="260" r:id="rId7"/>
-    <p:sldId id="259" r:id="rId8"/>
-    <p:sldId id="264" r:id="rId9"/>
+    <p:sldId id="260" r:id="rId6"/>
+    <p:sldId id="259" r:id="rId7"/>
+    <p:sldId id="265" r:id="rId8"/>
   </p:sldIdLst>
   <p:sldSz cx="14630400" cy="8229600"/>
   <p:notesSz cx="8229600" cy="14630400"/>
@@ -652,115 +651,7 @@
     </p:spTree>
     <p:extLst>
       <p:ext uri="{BB962C8B-B14F-4D97-AF65-F5344CB8AC3E}">
-        <p14:creationId xmlns:p14="http://schemas.microsoft.com/office/powerpoint/2010/main" val="1024086991"/>
-      </p:ext>
-    </p:extLst>
-  </p:cSld>
-  <p:clrMapOvr>
-    <a:masterClrMapping/>
-  </p:clrMapOvr>
-</p:notes>
-</file>
-
-<file path=ppt/notesSlides/notesSlide6.xml><?xml version="1.0" encoding="utf-8"?>
-<p:notes xmlns:a="http://schemas.openxmlformats.org/drawingml/2006/main" xmlns:r="http://schemas.openxmlformats.org/officeDocument/2006/relationships" xmlns:p="http://schemas.openxmlformats.org/presentationml/2006/main">
-  <p:cSld>
-    <p:spTree>
-      <p:nvGrpSpPr>
-        <p:cNvPr id="1" name="">
-          <a:extLst>
-            <a:ext uri="{FF2B5EF4-FFF2-40B4-BE49-F238E27FC236}">
-              <a16:creationId xmlns:a16="http://schemas.microsoft.com/office/drawing/2014/main" id="{5829C8A9-445F-0D1B-84F7-7E1BAFF5808F}"/>
-            </a:ext>
-          </a:extLst>
-        </p:cNvPr>
-        <p:cNvGrpSpPr/>
-        <p:nvPr/>
-      </p:nvGrpSpPr>
-      <p:grpSpPr>
-        <a:xfrm>
-          <a:off x="0" y="0"/>
-          <a:ext cx="0" cy="0"/>
-          <a:chOff x="0" y="0"/>
-          <a:chExt cx="0" cy="0"/>
-        </a:xfrm>
-      </p:grpSpPr>
-      <p:sp>
-        <p:nvSpPr>
-          <p:cNvPr id="2" name="Slide Image Placeholder 1">
-            <a:extLst>
-              <a:ext uri="{FF2B5EF4-FFF2-40B4-BE49-F238E27FC236}">
-                <a16:creationId xmlns:a16="http://schemas.microsoft.com/office/drawing/2014/main" id="{4583203C-612E-CDEF-CCB6-F2414436D3E8}"/>
-              </a:ext>
-            </a:extLst>
-          </p:cNvPr>
-          <p:cNvSpPr>
-            <a:spLocks noGrp="1" noRot="1" noChangeAspect="1"/>
-          </p:cNvSpPr>
-          <p:nvPr>
-            <p:ph type="sldImg"/>
-          </p:nvPr>
-        </p:nvSpPr>
-        <p:spPr/>
-      </p:sp>
-      <p:sp>
-        <p:nvSpPr>
-          <p:cNvPr id="3" name="Notes Placeholder 2">
-            <a:extLst>
-              <a:ext uri="{FF2B5EF4-FFF2-40B4-BE49-F238E27FC236}">
-                <a16:creationId xmlns:a16="http://schemas.microsoft.com/office/drawing/2014/main" id="{459EB1A3-1F53-CBFB-C085-F807D57EB22B}"/>
-              </a:ext>
-            </a:extLst>
-          </p:cNvPr>
-          <p:cNvSpPr>
-            <a:spLocks noGrp="1"/>
-          </p:cNvSpPr>
-          <p:nvPr>
-            <p:ph type="body" idx="1"/>
-          </p:nvPr>
-        </p:nvSpPr>
-        <p:spPr/>
-        <p:txBody>
-          <a:bodyPr/>
-          <a:lstStyle/>
-          <a:p>
-            <a:endParaRPr lang="en-US" dirty="0"/>
-          </a:p>
-        </p:txBody>
-      </p:sp>
-      <p:sp>
-        <p:nvSpPr>
-          <p:cNvPr id="4" name="Slide Number Placeholder 3">
-            <a:extLst>
-              <a:ext uri="{FF2B5EF4-FFF2-40B4-BE49-F238E27FC236}">
-                <a16:creationId xmlns:a16="http://schemas.microsoft.com/office/drawing/2014/main" id="{DCBC0AC3-95F2-94C5-6A06-7C79CF9B24E8}"/>
-              </a:ext>
-            </a:extLst>
-          </p:cNvPr>
-          <p:cNvSpPr>
-            <a:spLocks noGrp="1"/>
-          </p:cNvSpPr>
-          <p:nvPr>
-            <p:ph type="sldNum" sz="quarter" idx="10"/>
-          </p:nvPr>
-        </p:nvSpPr>
-        <p:spPr/>
-        <p:txBody>
-          <a:bodyPr/>
-          <a:lstStyle/>
-          <a:p>
-            <a:fld id="{F7021451-1387-4CA6-816F-3879F97B5CBC}" type="slidenum">
-              <a:rPr lang="en-US"/>
-              <a:t>6</a:t>
-            </a:fld>
-            <a:endParaRPr lang="en-US"/>
-          </a:p>
-        </p:txBody>
-      </p:sp>
-    </p:spTree>
-    <p:extLst>
-      <p:ext uri="{BB962C8B-B14F-4D97-AF65-F5344CB8AC3E}">
-        <p14:creationId xmlns:p14="http://schemas.microsoft.com/office/powerpoint/2010/main" val="4238449281"/>
+        <p14:creationId xmlns:p14="http://schemas.microsoft.com/office/powerpoint/2010/main" val="2943498184"/>
       </p:ext>
     </p:extLst>
   </p:cSld>
@@ -1411,7 +1302,7 @@
         </p:nvSpPr>
         <p:spPr>
           <a:xfrm>
-            <a:off x="2348390" y="3546370"/>
+            <a:off x="2348390" y="3431159"/>
             <a:ext cx="3015377" cy="347186"/>
           </a:xfrm>
           <a:prstGeom prst="rect">
@@ -1453,7 +1344,7 @@
         </p:nvSpPr>
         <p:spPr>
           <a:xfrm>
-            <a:off x="2348390" y="4163899"/>
+            <a:off x="2348390" y="3915159"/>
             <a:ext cx="4695706" cy="710803"/>
           </a:xfrm>
           <a:prstGeom prst="rect">
@@ -1665,118 +1556,22 @@
           </a:extLst>
         </p:spPr>
       </p:pic>
-    </p:spTree>
-  </p:cSld>
-  <p:clrMapOvr>
-    <a:masterClrMapping/>
-  </p:clrMapOvr>
-</p:sld>
-</file>
-
-<file path=ppt/slides/slide3.xml><?xml version="1.0" encoding="utf-8"?>
-<p:sld xmlns:a="http://schemas.openxmlformats.org/drawingml/2006/main" xmlns:r="http://schemas.openxmlformats.org/officeDocument/2006/relationships" xmlns:p="http://schemas.openxmlformats.org/presentationml/2006/main">
-  <p:cSld name="Slide 3">
-    <p:spTree>
-      <p:nvGrpSpPr>
-        <p:cNvPr id="1" name=""/>
-        <p:cNvGrpSpPr/>
-        <p:nvPr/>
-      </p:nvGrpSpPr>
-      <p:grpSpPr>
-        <a:xfrm>
-          <a:off x="0" y="0"/>
-          <a:ext cx="0" cy="0"/>
-          <a:chOff x="0" y="0"/>
-          <a:chExt cx="0" cy="0"/>
-        </a:xfrm>
-      </p:grpSpPr>
-      <p:pic>
-        <p:nvPicPr>
-          <p:cNvPr id="2" name="Image 0" descr="preencoded.png"/>
-          <p:cNvPicPr>
-            <a:picLocks noChangeAspect="1"/>
-          </p:cNvPicPr>
-          <p:nvPr/>
-        </p:nvPicPr>
-        <p:blipFill>
-          <a:blip r:embed="rId3"/>
-          <a:stretch>
-            <a:fillRect/>
-          </a:stretch>
-        </p:blipFill>
-        <p:spPr>
-          <a:xfrm>
-            <a:off x="0" y="0"/>
-            <a:ext cx="14630400" cy="8229600"/>
-          </a:xfrm>
-          <a:prstGeom prst="rect">
-            <a:avLst/>
-          </a:prstGeom>
-        </p:spPr>
-      </p:pic>
-      <p:sp>
-        <p:nvSpPr>
-          <p:cNvPr id="3" name="Shape 0"/>
+      <p:sp>
+        <p:nvSpPr>
+          <p:cNvPr id="2" name="Text 5">
+            <a:extLst>
+              <a:ext uri="{FF2B5EF4-FFF2-40B4-BE49-F238E27FC236}">
+                <a16:creationId xmlns:a16="http://schemas.microsoft.com/office/drawing/2014/main" id="{3813B719-41BC-D74F-D0DA-40EB9309C795}"/>
+              </a:ext>
+            </a:extLst>
+          </p:cNvPr>
           <p:cNvSpPr/>
           <p:nvPr/>
         </p:nvSpPr>
         <p:spPr>
           <a:xfrm>
-            <a:off x="0" y="0"/>
-            <a:ext cx="14630400" cy="8229600"/>
-          </a:xfrm>
-          <a:prstGeom prst="rect">
-            <a:avLst/>
-          </a:prstGeom>
-          <a:solidFill>
-            <a:srgbClr val="FFFFFF">
-              <a:alpha val="75000"/>
-            </a:srgbClr>
-          </a:solidFill>
-          <a:ln/>
-        </p:spPr>
-        <p:txBody>
-          <a:bodyPr/>
-          <a:lstStyle/>
-          <a:p>
-            <a:endParaRPr lang="fr-FR"/>
-          </a:p>
-        </p:txBody>
-      </p:sp>
-      <p:pic>
-        <p:nvPicPr>
-          <p:cNvPr id="4" name="Image 1" descr="preencoded.png"/>
-          <p:cNvPicPr>
-            <a:picLocks noChangeAspect="1"/>
-          </p:cNvPicPr>
-          <p:nvPr/>
-        </p:nvPicPr>
-        <p:blipFill>
-          <a:blip r:embed="rId4"/>
-          <a:stretch>
-            <a:fillRect/>
-          </a:stretch>
-        </p:blipFill>
-        <p:spPr>
-          <a:xfrm>
-            <a:off x="0" y="0"/>
-            <a:ext cx="14630400" cy="2777490"/>
-          </a:xfrm>
-          <a:prstGeom prst="rect">
-            <a:avLst/>
-          </a:prstGeom>
-        </p:spPr>
-      </p:pic>
-      <p:sp>
-        <p:nvSpPr>
-          <p:cNvPr id="5" name="Text 1"/>
-          <p:cNvSpPr/>
-          <p:nvPr/>
-        </p:nvSpPr>
-        <p:spPr>
-          <a:xfrm>
-            <a:off x="2348389" y="3598426"/>
-            <a:ext cx="5554980" cy="694373"/>
+            <a:off x="7569596" y="5086662"/>
+            <a:ext cx="4743887" cy="347187"/>
           </a:xfrm>
           <a:prstGeom prst="rect">
             <a:avLst/>
@@ -1785,228 +1580,10 @@
           <a:ln/>
         </p:spPr>
         <p:txBody>
-          <a:bodyPr wrap="none" rtlCol="0" anchor="t"/>
+          <a:bodyPr wrap="square" rtlCol="0" anchor="t"/>
           <a:lstStyle/>
           <a:p>
             <a:pPr marL="0" indent="0">
-              <a:lnSpc>
-                <a:spcPts val="5468"/>
-              </a:lnSpc>
-              <a:buNone/>
-            </a:pPr>
-            <a:r>
-              <a:rPr lang="en-US" sz="4374" b="1" kern="0" spc="-87" dirty="0">
-                <a:solidFill>
-                  <a:srgbClr val="000000"/>
-                </a:solidFill>
-                <a:latin typeface="adonis-web" pitchFamily="34" charset="0"/>
-                <a:ea typeface="adonis-web" pitchFamily="34" charset="-122"/>
-                <a:cs typeface="adonis-web" pitchFamily="34" charset="-120"/>
-              </a:rPr>
-              <a:t>Robotique collaborative</a:t>
-            </a:r>
-            <a:endParaRPr lang="en-US" sz="4374" dirty="0"/>
-          </a:p>
-        </p:txBody>
-      </p:sp>
-      <p:sp>
-        <p:nvSpPr>
-          <p:cNvPr id="6" name="Shape 2"/>
-          <p:cNvSpPr/>
-          <p:nvPr/>
-        </p:nvSpPr>
-        <p:spPr>
-          <a:xfrm>
-            <a:off x="2659499" y="4626054"/>
-            <a:ext cx="44410" cy="2782491"/>
-          </a:xfrm>
-          <a:prstGeom prst="roundRect">
-            <a:avLst>
-              <a:gd name="adj" fmla="val 225151"/>
-            </a:avLst>
-          </a:prstGeom>
-          <a:solidFill>
-            <a:srgbClr val="D6BADD"/>
-          </a:solidFill>
-          <a:ln/>
-        </p:spPr>
-        <p:txBody>
-          <a:bodyPr/>
-          <a:lstStyle/>
-          <a:p>
-            <a:endParaRPr lang="fr-FR"/>
-          </a:p>
-        </p:txBody>
-      </p:sp>
-      <p:sp>
-        <p:nvSpPr>
-          <p:cNvPr id="7" name="Shape 3"/>
-          <p:cNvSpPr/>
-          <p:nvPr/>
-        </p:nvSpPr>
-        <p:spPr>
-          <a:xfrm>
-            <a:off x="2931616" y="5027355"/>
-            <a:ext cx="777597" cy="44410"/>
-          </a:xfrm>
-          <a:prstGeom prst="roundRect">
-            <a:avLst>
-              <a:gd name="adj" fmla="val 225151"/>
-            </a:avLst>
-          </a:prstGeom>
-          <a:solidFill>
-            <a:srgbClr val="D6BADD"/>
-          </a:solidFill>
-          <a:ln/>
-        </p:spPr>
-        <p:txBody>
-          <a:bodyPr/>
-          <a:lstStyle/>
-          <a:p>
-            <a:endParaRPr lang="fr-FR"/>
-          </a:p>
-        </p:txBody>
-      </p:sp>
-      <p:sp>
-        <p:nvSpPr>
-          <p:cNvPr id="8" name="Shape 4"/>
-          <p:cNvSpPr/>
-          <p:nvPr/>
-        </p:nvSpPr>
-        <p:spPr>
-          <a:xfrm>
-            <a:off x="2431673" y="4799648"/>
-            <a:ext cx="499943" cy="499943"/>
-          </a:xfrm>
-          <a:prstGeom prst="roundRect">
-            <a:avLst>
-              <a:gd name="adj" fmla="val 20000"/>
-            </a:avLst>
-          </a:prstGeom>
-          <a:solidFill>
-            <a:srgbClr val="F0D4F7"/>
-          </a:solidFill>
-          <a:ln w="7620">
-            <a:solidFill>
-              <a:srgbClr val="D6BADD"/>
-            </a:solidFill>
-            <a:prstDash val="solid"/>
-          </a:ln>
-        </p:spPr>
-        <p:txBody>
-          <a:bodyPr/>
-          <a:lstStyle/>
-          <a:p>
-            <a:endParaRPr lang="fr-FR"/>
-          </a:p>
-        </p:txBody>
-      </p:sp>
-      <p:sp>
-        <p:nvSpPr>
-          <p:cNvPr id="9" name="Text 5"/>
-          <p:cNvSpPr/>
-          <p:nvPr/>
-        </p:nvSpPr>
-        <p:spPr>
-          <a:xfrm>
-            <a:off x="2590145" y="4841319"/>
-            <a:ext cx="182999" cy="416481"/>
-          </a:xfrm>
-          <a:prstGeom prst="rect">
-            <a:avLst/>
-          </a:prstGeom>
-          <a:noFill/>
-          <a:ln/>
-        </p:spPr>
-        <p:txBody>
-          <a:bodyPr wrap="none" rtlCol="0" anchor="t"/>
-          <a:lstStyle/>
-          <a:p>
-            <a:pPr marL="0" indent="0" algn="ctr">
-              <a:lnSpc>
-                <a:spcPts val="3281"/>
-              </a:lnSpc>
-              <a:buNone/>
-            </a:pPr>
-            <a:r>
-              <a:rPr lang="en-US" sz="2624" b="1" kern="0" spc="-52" dirty="0">
-                <a:solidFill>
-                  <a:srgbClr val="272525"/>
-                </a:solidFill>
-                <a:latin typeface="adonis-web" pitchFamily="34" charset="0"/>
-                <a:ea typeface="adonis-web" pitchFamily="34" charset="-122"/>
-                <a:cs typeface="adonis-web" pitchFamily="34" charset="-120"/>
-              </a:rPr>
-              <a:t>1</a:t>
-            </a:r>
-            <a:endParaRPr lang="en-US" sz="2624" dirty="0"/>
-          </a:p>
-        </p:txBody>
-      </p:sp>
-      <p:sp>
-        <p:nvSpPr>
-          <p:cNvPr id="10" name="Text 6"/>
-          <p:cNvSpPr/>
-          <p:nvPr/>
-        </p:nvSpPr>
-        <p:spPr>
-          <a:xfrm>
-            <a:off x="3903702" y="4848225"/>
-            <a:ext cx="2852618" cy="347186"/>
-          </a:xfrm>
-          <a:prstGeom prst="rect">
-            <a:avLst/>
-          </a:prstGeom>
-          <a:noFill/>
-          <a:ln/>
-        </p:spPr>
-        <p:txBody>
-          <a:bodyPr wrap="none" rtlCol="0" anchor="t"/>
-          <a:lstStyle/>
-          <a:p>
-            <a:pPr marL="0" indent="0" algn="l">
-              <a:lnSpc>
-                <a:spcPts val="2734"/>
-              </a:lnSpc>
-              <a:buNone/>
-            </a:pPr>
-            <a:r>
-              <a:rPr lang="en-US" sz="2187" b="1" kern="0" spc="-44" dirty="0">
-                <a:solidFill>
-                  <a:srgbClr val="272525"/>
-                </a:solidFill>
-                <a:latin typeface="adonis-web" pitchFamily="34" charset="0"/>
-                <a:ea typeface="adonis-web" pitchFamily="34" charset="-122"/>
-                <a:cs typeface="adonis-web" pitchFamily="34" charset="-120"/>
-              </a:rPr>
-              <a:t>Cobots Universal Robots</a:t>
-            </a:r>
-            <a:endParaRPr lang="en-US" sz="2187" dirty="0"/>
-          </a:p>
-        </p:txBody>
-      </p:sp>
-      <p:sp>
-        <p:nvSpPr>
-          <p:cNvPr id="11" name="Text 7"/>
-          <p:cNvSpPr/>
-          <p:nvPr/>
-        </p:nvSpPr>
-        <p:spPr>
-          <a:xfrm>
-            <a:off x="3903702" y="5328642"/>
-            <a:ext cx="8378190" cy="355402"/>
-          </a:xfrm>
-          <a:prstGeom prst="rect">
-            <a:avLst/>
-          </a:prstGeom>
-          <a:noFill/>
-          <a:ln/>
-        </p:spPr>
-        <p:txBody>
-          <a:bodyPr wrap="none" rtlCol="0" anchor="t"/>
-          <a:lstStyle/>
-          <a:p>
-            <a:pPr marL="0" indent="0" algn="l">
               <a:lnSpc>
                 <a:spcPts val="2799"/>
               </a:lnSpc>
@@ -2021,196 +1598,7 @@
                 <a:ea typeface="Source Sans Pro" pitchFamily="34" charset="-122"/>
                 <a:cs typeface="Source Sans Pro" pitchFamily="34" charset="-120"/>
               </a:rPr>
-              <a:t>Lancement de la série e-Series, plus compacte et accessible aux PME.</a:t>
-            </a:r>
-            <a:endParaRPr lang="en-US" sz="1750" dirty="0"/>
-          </a:p>
-        </p:txBody>
-      </p:sp>
-      <p:sp>
-        <p:nvSpPr>
-          <p:cNvPr id="12" name="Shape 8"/>
-          <p:cNvSpPr/>
-          <p:nvPr/>
-        </p:nvSpPr>
-        <p:spPr>
-          <a:xfrm>
-            <a:off x="2931616" y="6529685"/>
-            <a:ext cx="777597" cy="44410"/>
-          </a:xfrm>
-          <a:prstGeom prst="roundRect">
-            <a:avLst>
-              <a:gd name="adj" fmla="val 225151"/>
-            </a:avLst>
-          </a:prstGeom>
-          <a:solidFill>
-            <a:srgbClr val="D6BADD"/>
-          </a:solidFill>
-          <a:ln/>
-        </p:spPr>
-        <p:txBody>
-          <a:bodyPr/>
-          <a:lstStyle/>
-          <a:p>
-            <a:endParaRPr lang="fr-FR"/>
-          </a:p>
-        </p:txBody>
-      </p:sp>
-      <p:sp>
-        <p:nvSpPr>
-          <p:cNvPr id="13" name="Shape 9"/>
-          <p:cNvSpPr/>
-          <p:nvPr/>
-        </p:nvSpPr>
-        <p:spPr>
-          <a:xfrm>
-            <a:off x="2431673" y="6301978"/>
-            <a:ext cx="499943" cy="499943"/>
-          </a:xfrm>
-          <a:prstGeom prst="roundRect">
-            <a:avLst>
-              <a:gd name="adj" fmla="val 20000"/>
-            </a:avLst>
-          </a:prstGeom>
-          <a:solidFill>
-            <a:srgbClr val="F0D4F7"/>
-          </a:solidFill>
-          <a:ln w="7620">
-            <a:solidFill>
-              <a:srgbClr val="D6BADD"/>
-            </a:solidFill>
-            <a:prstDash val="solid"/>
-          </a:ln>
-        </p:spPr>
-        <p:txBody>
-          <a:bodyPr/>
-          <a:lstStyle/>
-          <a:p>
-            <a:endParaRPr lang="fr-FR"/>
-          </a:p>
-        </p:txBody>
-      </p:sp>
-      <p:sp>
-        <p:nvSpPr>
-          <p:cNvPr id="14" name="Text 10"/>
-          <p:cNvSpPr/>
-          <p:nvPr/>
-        </p:nvSpPr>
-        <p:spPr>
-          <a:xfrm>
-            <a:off x="2590145" y="6343650"/>
-            <a:ext cx="182999" cy="416481"/>
-          </a:xfrm>
-          <a:prstGeom prst="rect">
-            <a:avLst/>
-          </a:prstGeom>
-          <a:noFill/>
-          <a:ln/>
-        </p:spPr>
-        <p:txBody>
-          <a:bodyPr wrap="none" rtlCol="0" anchor="t"/>
-          <a:lstStyle/>
-          <a:p>
-            <a:pPr marL="0" indent="0" algn="ctr">
-              <a:lnSpc>
-                <a:spcPts val="3281"/>
-              </a:lnSpc>
-              <a:buNone/>
-            </a:pPr>
-            <a:r>
-              <a:rPr lang="en-US" sz="2624" b="1" kern="0" spc="-52" dirty="0">
-                <a:solidFill>
-                  <a:srgbClr val="272525"/>
-                </a:solidFill>
-                <a:latin typeface="adonis-web" pitchFamily="34" charset="0"/>
-                <a:ea typeface="adonis-web" pitchFamily="34" charset="-122"/>
-                <a:cs typeface="adonis-web" pitchFamily="34" charset="-120"/>
-              </a:rPr>
-              <a:t>2</a:t>
-            </a:r>
-            <a:endParaRPr lang="en-US" sz="2624" dirty="0"/>
-          </a:p>
-        </p:txBody>
-      </p:sp>
-      <p:sp>
-        <p:nvSpPr>
-          <p:cNvPr id="15" name="Text 11"/>
-          <p:cNvSpPr/>
-          <p:nvPr/>
-        </p:nvSpPr>
-        <p:spPr>
-          <a:xfrm>
-            <a:off x="3903702" y="6350556"/>
-            <a:ext cx="2777490" cy="347186"/>
-          </a:xfrm>
-          <a:prstGeom prst="rect">
-            <a:avLst/>
-          </a:prstGeom>
-          <a:noFill/>
-          <a:ln/>
-        </p:spPr>
-        <p:txBody>
-          <a:bodyPr wrap="none" rtlCol="0" anchor="t"/>
-          <a:lstStyle/>
-          <a:p>
-            <a:pPr marL="0" indent="0" algn="l">
-              <a:lnSpc>
-                <a:spcPts val="2734"/>
-              </a:lnSpc>
-              <a:buNone/>
-            </a:pPr>
-            <a:r>
-              <a:rPr lang="en-US" sz="2187" b="1" kern="0" spc="-44" dirty="0">
-                <a:solidFill>
-                  <a:srgbClr val="272525"/>
-                </a:solidFill>
-                <a:latin typeface="adonis-web" pitchFamily="34" charset="0"/>
-                <a:ea typeface="adonis-web" pitchFamily="34" charset="-122"/>
-                <a:cs typeface="adonis-web" pitchFamily="34" charset="-120"/>
-              </a:rPr>
-              <a:t>Exosquelettes</a:t>
-            </a:r>
-            <a:endParaRPr lang="en-US" sz="2187" dirty="0"/>
-          </a:p>
-        </p:txBody>
-      </p:sp>
-      <p:sp>
-        <p:nvSpPr>
-          <p:cNvPr id="16" name="Text 12"/>
-          <p:cNvSpPr/>
-          <p:nvPr/>
-        </p:nvSpPr>
-        <p:spPr>
-          <a:xfrm>
-            <a:off x="3903702" y="6830973"/>
-            <a:ext cx="8378190" cy="355402"/>
-          </a:xfrm>
-          <a:prstGeom prst="rect">
-            <a:avLst/>
-          </a:prstGeom>
-          <a:noFill/>
-          <a:ln/>
-        </p:spPr>
-        <p:txBody>
-          <a:bodyPr wrap="none" rtlCol="0" anchor="t"/>
-          <a:lstStyle/>
-          <a:p>
-            <a:pPr marL="0" indent="0" algn="l">
-              <a:lnSpc>
-                <a:spcPts val="2799"/>
-              </a:lnSpc>
-              <a:buNone/>
-            </a:pPr>
-            <a:r>
-              <a:rPr lang="en-US" sz="1750" kern="0" spc="-35" dirty="0">
-                <a:solidFill>
-                  <a:srgbClr val="272525"/>
-                </a:solidFill>
-                <a:latin typeface="Source Sans Pro" pitchFamily="34" charset="0"/>
-                <a:ea typeface="Source Sans Pro" pitchFamily="34" charset="-122"/>
-                <a:cs typeface="Source Sans Pro" pitchFamily="34" charset="-120"/>
-              </a:rPr>
-              <a:t>Développements accrus pour assister les travailleurs dans les tâches répétitives et lourdes.</a:t>
+              <a:t>https://www.youtube.com/watch?v=cpraXaw7dyc</a:t>
             </a:r>
             <a:endParaRPr lang="en-US" sz="1750" dirty="0"/>
           </a:p>
@@ -2224,7 +1612,7 @@
 </p:sld>
 </file>
 
-<file path=ppt/slides/slide4.xml><?xml version="1.0" encoding="utf-8"?>
+<file path=ppt/slides/slide3.xml><?xml version="1.0" encoding="utf-8"?>
 <p:sld xmlns:a="http://schemas.openxmlformats.org/drawingml/2006/main" xmlns:r="http://schemas.openxmlformats.org/officeDocument/2006/relationships" xmlns:p="http://schemas.openxmlformats.org/presentationml/2006/main">
   <p:cSld name="Slide 5">
     <p:spTree>
@@ -2326,7 +1714,7 @@
         </p:nvSpPr>
         <p:spPr>
           <a:xfrm>
-            <a:off x="4832271" y="673714"/>
+            <a:off x="4812123" y="262075"/>
             <a:ext cx="5554980" cy="694373"/>
           </a:xfrm>
           <a:prstGeom prst="rect">
@@ -2368,7 +1756,7 @@
         </p:nvSpPr>
         <p:spPr>
           <a:xfrm>
-            <a:off x="4502034" y="1924258"/>
+            <a:off x="3895778" y="1050051"/>
             <a:ext cx="499943" cy="499943"/>
           </a:xfrm>
           <a:prstGeom prst="roundRect">
@@ -2402,7 +1790,7 @@
         </p:nvSpPr>
         <p:spPr>
           <a:xfrm>
-            <a:off x="4660505" y="1965988"/>
+            <a:off x="4051862" y="1050051"/>
             <a:ext cx="182999" cy="416481"/>
           </a:xfrm>
           <a:prstGeom prst="rect">
@@ -2444,7 +1832,7 @@
         </p:nvSpPr>
         <p:spPr>
           <a:xfrm>
-            <a:off x="10119240" y="1934485"/>
+            <a:off x="9906581" y="1050051"/>
             <a:ext cx="2777490" cy="347186"/>
           </a:xfrm>
           <a:prstGeom prst="rect">
@@ -2486,7 +1874,7 @@
         </p:nvSpPr>
         <p:spPr>
           <a:xfrm>
-            <a:off x="10202483" y="2261658"/>
+            <a:off x="9913063" y="1381083"/>
             <a:ext cx="3820001" cy="1066205"/>
           </a:xfrm>
           <a:prstGeom prst="rect">
@@ -2528,7 +1916,7 @@
         </p:nvSpPr>
         <p:spPr>
           <a:xfrm>
-            <a:off x="9255085" y="1923691"/>
+            <a:off x="9248167" y="1086156"/>
             <a:ext cx="499943" cy="499943"/>
           </a:xfrm>
           <a:prstGeom prst="roundRect">
@@ -2562,7 +1950,7 @@
         </p:nvSpPr>
         <p:spPr>
           <a:xfrm>
-            <a:off x="9413556" y="1923691"/>
+            <a:off x="9406638" y="1083253"/>
             <a:ext cx="182999" cy="416481"/>
           </a:xfrm>
           <a:prstGeom prst="rect">
@@ -2604,7 +1992,7 @@
         </p:nvSpPr>
         <p:spPr>
           <a:xfrm>
-            <a:off x="5120054" y="1927745"/>
+            <a:off x="4395721" y="1022825"/>
             <a:ext cx="2777490" cy="347186"/>
           </a:xfrm>
           <a:prstGeom prst="rect">
@@ -2646,7 +2034,7 @@
         </p:nvSpPr>
         <p:spPr>
           <a:xfrm>
-            <a:off x="5133843" y="2255008"/>
+            <a:off x="4395721" y="1510585"/>
             <a:ext cx="3820001" cy="1066205"/>
           </a:xfrm>
           <a:prstGeom prst="rect">
@@ -2702,38 +2090,8 @@
         </p:blipFill>
         <p:spPr>
           <a:xfrm>
-            <a:off x="4443733" y="3383413"/>
+            <a:off x="3895778" y="4154131"/>
             <a:ext cx="6614733" cy="2141406"/>
-          </a:xfrm>
-          <a:prstGeom prst="rect">
-            <a:avLst/>
-          </a:prstGeom>
-        </p:spPr>
-      </p:pic>
-      <p:pic>
-        <p:nvPicPr>
-          <p:cNvPr id="17" name="Image 16">
-            <a:extLst>
-              <a:ext uri="{FF2B5EF4-FFF2-40B4-BE49-F238E27FC236}">
-                <a16:creationId xmlns:a16="http://schemas.microsoft.com/office/drawing/2014/main" id="{CB424869-B143-25CA-3458-C163CC47D56F}"/>
-              </a:ext>
-            </a:extLst>
-          </p:cNvPr>
-          <p:cNvPicPr>
-            <a:picLocks noChangeAspect="1"/>
-          </p:cNvPicPr>
-          <p:nvPr/>
-        </p:nvPicPr>
-        <p:blipFill>
-          <a:blip r:embed="rId6"/>
-          <a:stretch>
-            <a:fillRect/>
-          </a:stretch>
-        </p:blipFill>
-        <p:spPr>
-          <a:xfrm>
-            <a:off x="4752004" y="5286006"/>
-            <a:ext cx="5161102" cy="2943594"/>
           </a:xfrm>
           <a:prstGeom prst="rect">
             <a:avLst/>
@@ -2755,14 +2113,14 @@
           <p:nvPr/>
         </p:nvPicPr>
         <p:blipFill>
-          <a:blip r:embed="rId7"/>
+          <a:blip r:embed="rId6"/>
           <a:stretch>
             <a:fillRect/>
           </a:stretch>
         </p:blipFill>
         <p:spPr>
           <a:xfrm>
-            <a:off x="11422132" y="5878533"/>
+            <a:off x="11095857" y="4154131"/>
             <a:ext cx="2949196" cy="1310754"/>
           </a:xfrm>
           <a:prstGeom prst="rect">
@@ -2770,6 +2128,102 @@
           </a:prstGeom>
         </p:spPr>
       </p:pic>
+      <p:sp>
+        <p:nvSpPr>
+          <p:cNvPr id="14" name="Text 5">
+            <a:extLst>
+              <a:ext uri="{FF2B5EF4-FFF2-40B4-BE49-F238E27FC236}">
+                <a16:creationId xmlns:a16="http://schemas.microsoft.com/office/drawing/2014/main" id="{BA37D07D-FBDE-966B-42FA-C743F0809894}"/>
+              </a:ext>
+            </a:extLst>
+          </p:cNvPr>
+          <p:cNvSpPr/>
+          <p:nvPr/>
+        </p:nvSpPr>
+        <p:spPr>
+          <a:xfrm>
+            <a:off x="3895778" y="2479184"/>
+            <a:ext cx="5730880" cy="694373"/>
+          </a:xfrm>
+          <a:prstGeom prst="rect">
+            <a:avLst/>
+          </a:prstGeom>
+          <a:noFill/>
+          <a:ln/>
+        </p:spPr>
+        <p:txBody>
+          <a:bodyPr wrap="square" rtlCol="0" anchor="t"/>
+          <a:lstStyle/>
+          <a:p>
+            <a:pPr marL="0" indent="0">
+              <a:lnSpc>
+                <a:spcPts val="2799"/>
+              </a:lnSpc>
+              <a:buNone/>
+            </a:pPr>
+            <a:r>
+              <a:rPr lang="en-US" sz="1200" kern="0" spc="-35" dirty="0">
+                <a:solidFill>
+                  <a:srgbClr val="272525"/>
+                </a:solidFill>
+                <a:latin typeface="Source Sans Pro" pitchFamily="34" charset="0"/>
+                <a:ea typeface="Source Sans Pro" pitchFamily="34" charset="-122"/>
+                <a:cs typeface="Source Sans Pro" pitchFamily="34" charset="-120"/>
+              </a:rPr>
+              <a:t>https://www.echosciences-paysdelaloire.fr/communautes/fete-de-la-science-dans-les-pays-de-la-loire/articles/quand-la-technologie-s-inspire-de-la-nature-la-robotique-en-essaim</a:t>
+            </a:r>
+            <a:endParaRPr lang="en-US" sz="1200" dirty="0"/>
+          </a:p>
+        </p:txBody>
+      </p:sp>
+      <p:sp>
+        <p:nvSpPr>
+          <p:cNvPr id="18" name="Text 5">
+            <a:extLst>
+              <a:ext uri="{FF2B5EF4-FFF2-40B4-BE49-F238E27FC236}">
+                <a16:creationId xmlns:a16="http://schemas.microsoft.com/office/drawing/2014/main" id="{9F84A119-69A5-9901-417B-C7615A2DE71D}"/>
+              </a:ext>
+            </a:extLst>
+          </p:cNvPr>
+          <p:cNvSpPr/>
+          <p:nvPr/>
+        </p:nvSpPr>
+        <p:spPr>
+          <a:xfrm>
+            <a:off x="7865703" y="6501248"/>
+            <a:ext cx="6460307" cy="507547"/>
+          </a:xfrm>
+          <a:prstGeom prst="rect">
+            <a:avLst/>
+          </a:prstGeom>
+          <a:noFill/>
+          <a:ln/>
+        </p:spPr>
+        <p:txBody>
+          <a:bodyPr wrap="square" rtlCol="0" anchor="t"/>
+          <a:lstStyle/>
+          <a:p>
+            <a:pPr marL="0" indent="0">
+              <a:lnSpc>
+                <a:spcPts val="2799"/>
+              </a:lnSpc>
+              <a:buNone/>
+            </a:pPr>
+            <a:r>
+              <a:rPr lang="en-US" sz="1750" kern="0" spc="-35" dirty="0">
+                <a:solidFill>
+                  <a:srgbClr val="272525"/>
+                </a:solidFill>
+                <a:latin typeface="Source Sans Pro" pitchFamily="34" charset="0"/>
+                <a:ea typeface="Source Sans Pro" pitchFamily="34" charset="-122"/>
+                <a:cs typeface="Source Sans Pro" pitchFamily="34" charset="-120"/>
+              </a:rPr>
+              <a:t>https://onlinedegrees.sandiego.edu/application-of-ai-in-robotics/</a:t>
+            </a:r>
+            <a:endParaRPr lang="en-US" sz="1750" dirty="0"/>
+          </a:p>
+        </p:txBody>
+      </p:sp>
     </p:spTree>
   </p:cSld>
   <p:clrMapOvr>
@@ -2778,7 +2232,7 @@
 </p:sld>
 </file>
 
-<file path=ppt/slides/slide5.xml><?xml version="1.0" encoding="utf-8"?>
+<file path=ppt/slides/slide4.xml><?xml version="1.0" encoding="utf-8"?>
 <p:sld xmlns:a="http://schemas.openxmlformats.org/drawingml/2006/main" xmlns:r="http://schemas.openxmlformats.org/officeDocument/2006/relationships" xmlns:p="http://schemas.openxmlformats.org/presentationml/2006/main">
   <p:cSld name="Slide 4">
     <p:spTree>
@@ -3310,73 +2764,12 @@
           </a:extLst>
         </p:spPr>
       </p:pic>
-    </p:spTree>
-  </p:cSld>
-  <p:clrMapOvr>
-    <a:masterClrMapping/>
-  </p:clrMapOvr>
-</p:sld>
-</file>
-
-<file path=ppt/slides/slide6.xml><?xml version="1.0" encoding="utf-8"?>
-<p:sld xmlns:a="http://schemas.openxmlformats.org/drawingml/2006/main" xmlns:r="http://schemas.openxmlformats.org/officeDocument/2006/relationships" xmlns:p="http://schemas.openxmlformats.org/presentationml/2006/main">
-  <p:cSld>
-    <p:spTree>
-      <p:nvGrpSpPr>
-        <p:cNvPr id="1" name="">
-          <a:extLst>
-            <a:ext uri="{FF2B5EF4-FFF2-40B4-BE49-F238E27FC236}">
-              <a16:creationId xmlns:a16="http://schemas.microsoft.com/office/drawing/2014/main" id="{150D198C-941C-FD03-A67B-41CC11A2DAA2}"/>
-            </a:ext>
-          </a:extLst>
-        </p:cNvPr>
-        <p:cNvGrpSpPr/>
-        <p:nvPr/>
-      </p:nvGrpSpPr>
-      <p:grpSpPr>
-        <a:xfrm>
-          <a:off x="0" y="0"/>
-          <a:ext cx="0" cy="0"/>
-          <a:chOff x="0" y="0"/>
-          <a:chExt cx="0" cy="0"/>
-        </a:xfrm>
-      </p:grpSpPr>
-      <p:pic>
-        <p:nvPicPr>
-          <p:cNvPr id="2" name="Image 0" descr="preencoded.png">
+      <p:sp>
+        <p:nvSpPr>
+          <p:cNvPr id="15" name="Text 5">
             <a:extLst>
               <a:ext uri="{FF2B5EF4-FFF2-40B4-BE49-F238E27FC236}">
-                <a16:creationId xmlns:a16="http://schemas.microsoft.com/office/drawing/2014/main" id="{DF78D1CC-25A8-7BDF-4814-B541B622E309}"/>
-              </a:ext>
-            </a:extLst>
-          </p:cNvPr>
-          <p:cNvPicPr>
-            <a:picLocks noChangeAspect="1"/>
-          </p:cNvPicPr>
-          <p:nvPr/>
-        </p:nvPicPr>
-        <p:blipFill>
-          <a:blip r:embed="rId3"/>
-          <a:stretch>
-            <a:fillRect/>
-          </a:stretch>
-        </p:blipFill>
-        <p:spPr>
-          <a:xfrm>
-            <a:off x="0" y="0"/>
-            <a:ext cx="14630400" cy="8229600"/>
-          </a:xfrm>
-          <a:prstGeom prst="rect">
-            <a:avLst/>
-          </a:prstGeom>
-        </p:spPr>
-      </p:pic>
-      <p:sp>
-        <p:nvSpPr>
-          <p:cNvPr id="3" name="Shape 0">
-            <a:extLst>
-              <a:ext uri="{FF2B5EF4-FFF2-40B4-BE49-F238E27FC236}">
-                <a16:creationId xmlns:a16="http://schemas.microsoft.com/office/drawing/2014/main" id="{B275A7D4-860B-2013-396A-77E4B8D0EF9A}"/>
+                <a16:creationId xmlns:a16="http://schemas.microsoft.com/office/drawing/2014/main" id="{10ACF31C-97BA-C91F-D97D-220A8B97223B}"/>
               </a:ext>
             </a:extLst>
           </p:cNvPr>
@@ -3385,417 +2778,7 @@
         </p:nvSpPr>
         <p:spPr>
           <a:xfrm>
-            <a:off x="19809" y="0"/>
-            <a:ext cx="14630400" cy="8229600"/>
-          </a:xfrm>
-          <a:prstGeom prst="rect">
-            <a:avLst/>
-          </a:prstGeom>
-          <a:solidFill>
-            <a:srgbClr val="FFFFFF">
-              <a:alpha val="75000"/>
-            </a:srgbClr>
-          </a:solidFill>
-          <a:ln/>
-        </p:spPr>
-        <p:txBody>
-          <a:bodyPr/>
-          <a:lstStyle/>
-          <a:p>
-            <a:endParaRPr lang="fr-FR" dirty="0"/>
-          </a:p>
-        </p:txBody>
-      </p:sp>
-      <p:pic>
-        <p:nvPicPr>
-          <p:cNvPr id="4" name="Image 1" descr="preencoded.png">
-            <a:extLst>
-              <a:ext uri="{FF2B5EF4-FFF2-40B4-BE49-F238E27FC236}">
-                <a16:creationId xmlns:a16="http://schemas.microsoft.com/office/drawing/2014/main" id="{4B1C646A-63E2-1925-765E-2FA9778F7C76}"/>
-              </a:ext>
-            </a:extLst>
-          </p:cNvPr>
-          <p:cNvPicPr>
-            <a:picLocks noChangeAspect="1"/>
-          </p:cNvPicPr>
-          <p:nvPr/>
-        </p:nvPicPr>
-        <p:blipFill>
-          <a:blip r:embed="rId4"/>
-          <a:stretch>
-            <a:fillRect/>
-          </a:stretch>
-        </p:blipFill>
-        <p:spPr>
-          <a:xfrm>
-            <a:off x="0" y="0"/>
-            <a:ext cx="3657600" cy="8229600"/>
-          </a:xfrm>
-          <a:prstGeom prst="rect">
-            <a:avLst/>
-          </a:prstGeom>
-        </p:spPr>
-      </p:pic>
-      <p:sp>
-        <p:nvSpPr>
-          <p:cNvPr id="5" name="Text 1">
-            <a:extLst>
-              <a:ext uri="{FF2B5EF4-FFF2-40B4-BE49-F238E27FC236}">
-                <a16:creationId xmlns:a16="http://schemas.microsoft.com/office/drawing/2014/main" id="{882229F0-D11F-649F-081E-225F39775D6D}"/>
-              </a:ext>
-            </a:extLst>
-          </p:cNvPr>
-          <p:cNvSpPr/>
-          <p:nvPr/>
-        </p:nvSpPr>
-        <p:spPr>
-          <a:xfrm>
-            <a:off x="7589599" y="492760"/>
-            <a:ext cx="2367201" cy="694373"/>
-          </a:xfrm>
-          <a:prstGeom prst="rect">
-            <a:avLst/>
-          </a:prstGeom>
-          <a:noFill/>
-          <a:ln/>
-        </p:spPr>
-        <p:txBody>
-          <a:bodyPr wrap="none" rtlCol="0" anchor="t"/>
-          <a:lstStyle/>
-          <a:p>
-            <a:pPr marL="0" indent="0">
-              <a:lnSpc>
-                <a:spcPts val="5468"/>
-              </a:lnSpc>
-              <a:buNone/>
-            </a:pPr>
-            <a:r>
-              <a:rPr lang="en-US" sz="4374" dirty="0"/>
-              <a:t>SOURCES</a:t>
-            </a:r>
-          </a:p>
-        </p:txBody>
-      </p:sp>
-      <p:sp>
-        <p:nvSpPr>
-          <p:cNvPr id="6" name="Shape 2">
-            <a:extLst>
-              <a:ext uri="{FF2B5EF4-FFF2-40B4-BE49-F238E27FC236}">
-                <a16:creationId xmlns:a16="http://schemas.microsoft.com/office/drawing/2014/main" id="{9AA7CF20-A4AA-8BFD-8F85-B146101DBFC2}"/>
-              </a:ext>
-            </a:extLst>
-          </p:cNvPr>
-          <p:cNvSpPr/>
-          <p:nvPr/>
-        </p:nvSpPr>
-        <p:spPr>
-          <a:xfrm>
-            <a:off x="4582299" y="1811655"/>
-            <a:ext cx="499943" cy="499943"/>
-          </a:xfrm>
-          <a:prstGeom prst="roundRect">
-            <a:avLst>
-              <a:gd name="adj" fmla="val 20000"/>
-            </a:avLst>
-          </a:prstGeom>
-          <a:solidFill>
-            <a:srgbClr val="F0D4F7"/>
-          </a:solidFill>
-          <a:ln w="7620">
-            <a:solidFill>
-              <a:srgbClr val="D6BADD"/>
-            </a:solidFill>
-            <a:prstDash val="solid"/>
-          </a:ln>
-        </p:spPr>
-        <p:txBody>
-          <a:bodyPr/>
-          <a:lstStyle/>
-          <a:p>
-            <a:endParaRPr lang="fr-FR"/>
-          </a:p>
-        </p:txBody>
-      </p:sp>
-      <p:sp>
-        <p:nvSpPr>
-          <p:cNvPr id="7" name="Text 3">
-            <a:extLst>
-              <a:ext uri="{FF2B5EF4-FFF2-40B4-BE49-F238E27FC236}">
-                <a16:creationId xmlns:a16="http://schemas.microsoft.com/office/drawing/2014/main" id="{9A0342E7-6329-B344-C5E0-395A5FFBDECC}"/>
-              </a:ext>
-            </a:extLst>
-          </p:cNvPr>
-          <p:cNvSpPr/>
-          <p:nvPr/>
-        </p:nvSpPr>
-        <p:spPr>
-          <a:xfrm>
-            <a:off x="4720112" y="1794331"/>
-            <a:ext cx="182999" cy="416481"/>
-          </a:xfrm>
-          <a:prstGeom prst="rect">
-            <a:avLst/>
-          </a:prstGeom>
-          <a:noFill/>
-          <a:ln/>
-        </p:spPr>
-        <p:txBody>
-          <a:bodyPr wrap="none" rtlCol="0" anchor="t"/>
-          <a:lstStyle/>
-          <a:p>
-            <a:pPr marL="0" indent="0" algn="ctr">
-              <a:lnSpc>
-                <a:spcPts val="3281"/>
-              </a:lnSpc>
-              <a:buNone/>
-            </a:pPr>
-            <a:r>
-              <a:rPr lang="en-US" sz="2624" b="1" kern="0" spc="-52" dirty="0">
-                <a:solidFill>
-                  <a:srgbClr val="272525"/>
-                </a:solidFill>
-                <a:latin typeface="adonis-web" pitchFamily="34" charset="0"/>
-                <a:ea typeface="adonis-web" pitchFamily="34" charset="-122"/>
-                <a:cs typeface="adonis-web" pitchFamily="34" charset="-120"/>
-              </a:rPr>
-              <a:t>1</a:t>
-            </a:r>
-            <a:endParaRPr lang="en-US" sz="2624" dirty="0"/>
-          </a:p>
-        </p:txBody>
-      </p:sp>
-      <p:sp>
-        <p:nvSpPr>
-          <p:cNvPr id="8" name="Text 4">
-            <a:extLst>
-              <a:ext uri="{FF2B5EF4-FFF2-40B4-BE49-F238E27FC236}">
-                <a16:creationId xmlns:a16="http://schemas.microsoft.com/office/drawing/2014/main" id="{ADCCB50C-9D9E-2EFA-FF23-12A7C8B80C01}"/>
-              </a:ext>
-            </a:extLst>
-          </p:cNvPr>
-          <p:cNvSpPr/>
-          <p:nvPr/>
-        </p:nvSpPr>
-        <p:spPr>
-          <a:xfrm>
-            <a:off x="5231684" y="1714440"/>
-            <a:ext cx="2791301" cy="347186"/>
-          </a:xfrm>
-          <a:prstGeom prst="rect">
-            <a:avLst/>
-          </a:prstGeom>
-          <a:noFill/>
-          <a:ln/>
-        </p:spPr>
-        <p:txBody>
-          <a:bodyPr wrap="none" rtlCol="0" anchor="t"/>
-          <a:lstStyle/>
-          <a:p>
-            <a:pPr marL="0" indent="0">
-              <a:lnSpc>
-                <a:spcPts val="2734"/>
-              </a:lnSpc>
-              <a:buNone/>
-            </a:pPr>
-            <a:r>
-              <a:rPr lang="en-US" sz="2187" dirty="0"/>
-              <a:t>Tesla Optimus </a:t>
-            </a:r>
-          </a:p>
-        </p:txBody>
-      </p:sp>
-      <p:sp>
-        <p:nvSpPr>
-          <p:cNvPr id="9" name="Text 5">
-            <a:extLst>
-              <a:ext uri="{FF2B5EF4-FFF2-40B4-BE49-F238E27FC236}">
-                <a16:creationId xmlns:a16="http://schemas.microsoft.com/office/drawing/2014/main" id="{72A03B25-28D0-2360-346F-64A10519F18B}"/>
-              </a:ext>
-            </a:extLst>
-          </p:cNvPr>
-          <p:cNvSpPr/>
-          <p:nvPr/>
-        </p:nvSpPr>
-        <p:spPr>
-          <a:xfrm>
-            <a:off x="5212913" y="2061626"/>
-            <a:ext cx="4743887" cy="347187"/>
-          </a:xfrm>
-          <a:prstGeom prst="rect">
-            <a:avLst/>
-          </a:prstGeom>
-          <a:noFill/>
-          <a:ln/>
-        </p:spPr>
-        <p:txBody>
-          <a:bodyPr wrap="square" rtlCol="0" anchor="t"/>
-          <a:lstStyle/>
-          <a:p>
-            <a:pPr marL="0" indent="0">
-              <a:lnSpc>
-                <a:spcPts val="2799"/>
-              </a:lnSpc>
-              <a:buNone/>
-            </a:pPr>
-            <a:r>
-              <a:rPr lang="en-US" sz="1750" kern="0" spc="-35" dirty="0">
-                <a:solidFill>
-                  <a:srgbClr val="272525"/>
-                </a:solidFill>
-                <a:latin typeface="Source Sans Pro" pitchFamily="34" charset="0"/>
-                <a:ea typeface="Source Sans Pro" pitchFamily="34" charset="-122"/>
-                <a:cs typeface="Source Sans Pro" pitchFamily="34" charset="-120"/>
-              </a:rPr>
-              <a:t>https://www.youtube.com/watch?v=cpraXaw7dyc</a:t>
-            </a:r>
-            <a:endParaRPr lang="en-US" sz="1750" dirty="0"/>
-          </a:p>
-        </p:txBody>
-      </p:sp>
-      <p:sp>
-        <p:nvSpPr>
-          <p:cNvPr id="10" name="Shape 2">
-            <a:extLst>
-              <a:ext uri="{FF2B5EF4-FFF2-40B4-BE49-F238E27FC236}">
-                <a16:creationId xmlns:a16="http://schemas.microsoft.com/office/drawing/2014/main" id="{B1ED7FCB-08B7-1312-4545-3D4E1FB76349}"/>
-              </a:ext>
-            </a:extLst>
-          </p:cNvPr>
-          <p:cNvSpPr/>
-          <p:nvPr/>
-        </p:nvSpPr>
-        <p:spPr>
-          <a:xfrm>
-            <a:off x="4616265" y="2707360"/>
-            <a:ext cx="499943" cy="499943"/>
-          </a:xfrm>
-          <a:prstGeom prst="roundRect">
-            <a:avLst>
-              <a:gd name="adj" fmla="val 20000"/>
-            </a:avLst>
-          </a:prstGeom>
-          <a:solidFill>
-            <a:srgbClr val="F0D4F7"/>
-          </a:solidFill>
-          <a:ln w="7620">
-            <a:solidFill>
-              <a:srgbClr val="D6BADD"/>
-            </a:solidFill>
-            <a:prstDash val="solid"/>
-          </a:ln>
-        </p:spPr>
-        <p:txBody>
-          <a:bodyPr/>
-          <a:lstStyle/>
-          <a:p>
-            <a:endParaRPr lang="fr-FR"/>
-          </a:p>
-        </p:txBody>
-      </p:sp>
-      <p:sp>
-        <p:nvSpPr>
-          <p:cNvPr id="13" name="Text 3">
-            <a:extLst>
-              <a:ext uri="{FF2B5EF4-FFF2-40B4-BE49-F238E27FC236}">
-                <a16:creationId xmlns:a16="http://schemas.microsoft.com/office/drawing/2014/main" id="{BCB902FD-94A4-7780-F507-E40742F89702}"/>
-              </a:ext>
-            </a:extLst>
-          </p:cNvPr>
-          <p:cNvSpPr/>
-          <p:nvPr/>
-        </p:nvSpPr>
-        <p:spPr>
-          <a:xfrm>
-            <a:off x="4774734" y="2699290"/>
-            <a:ext cx="182999" cy="416481"/>
-          </a:xfrm>
-          <a:prstGeom prst="rect">
-            <a:avLst/>
-          </a:prstGeom>
-          <a:noFill/>
-          <a:ln/>
-        </p:spPr>
-        <p:txBody>
-          <a:bodyPr wrap="none" rtlCol="0" anchor="t"/>
-          <a:lstStyle/>
-          <a:p>
-            <a:pPr marL="0" indent="0" algn="ctr">
-              <a:lnSpc>
-                <a:spcPts val="3281"/>
-              </a:lnSpc>
-              <a:buNone/>
-            </a:pPr>
-            <a:r>
-              <a:rPr lang="en-US" sz="2624" b="1" kern="0" spc="-52" dirty="0">
-                <a:solidFill>
-                  <a:srgbClr val="272525"/>
-                </a:solidFill>
-                <a:latin typeface="adonis-web" pitchFamily="34" charset="0"/>
-                <a:ea typeface="adonis-web" pitchFamily="34" charset="-122"/>
-                <a:cs typeface="adonis-web" pitchFamily="34" charset="-120"/>
-              </a:rPr>
-              <a:t>2</a:t>
-            </a:r>
-            <a:endParaRPr lang="en-US" sz="2624" dirty="0"/>
-          </a:p>
-        </p:txBody>
-      </p:sp>
-      <p:sp>
-        <p:nvSpPr>
-          <p:cNvPr id="14" name="Text 4">
-            <a:extLst>
-              <a:ext uri="{FF2B5EF4-FFF2-40B4-BE49-F238E27FC236}">
-                <a16:creationId xmlns:a16="http://schemas.microsoft.com/office/drawing/2014/main" id="{4244AA60-BE74-AB03-1832-A6A730D6C07D}"/>
-              </a:ext>
-            </a:extLst>
-          </p:cNvPr>
-          <p:cNvSpPr/>
-          <p:nvPr/>
-        </p:nvSpPr>
-        <p:spPr>
-          <a:xfrm>
-            <a:off x="5258433" y="2675255"/>
-            <a:ext cx="2791301" cy="347186"/>
-          </a:xfrm>
-          <a:prstGeom prst="rect">
-            <a:avLst/>
-          </a:prstGeom>
-          <a:noFill/>
-          <a:ln/>
-        </p:spPr>
-        <p:txBody>
-          <a:bodyPr wrap="none" rtlCol="0" anchor="t"/>
-          <a:lstStyle/>
-          <a:p>
-            <a:pPr marL="0" indent="0">
-              <a:lnSpc>
-                <a:spcPts val="2734"/>
-              </a:lnSpc>
-              <a:buNone/>
-            </a:pPr>
-            <a:r>
-              <a:rPr lang="en-US" sz="2187" dirty="0" err="1"/>
-              <a:t>Versius</a:t>
-            </a:r>
-            <a:endParaRPr lang="en-US" sz="2187" dirty="0"/>
-          </a:p>
-        </p:txBody>
-      </p:sp>
-      <p:sp>
-        <p:nvSpPr>
-          <p:cNvPr id="15" name="Text 5">
-            <a:extLst>
-              <a:ext uri="{FF2B5EF4-FFF2-40B4-BE49-F238E27FC236}">
-                <a16:creationId xmlns:a16="http://schemas.microsoft.com/office/drawing/2014/main" id="{57DE644E-7D6A-0C04-5270-2743E7FF05D4}"/>
-              </a:ext>
-            </a:extLst>
-          </p:cNvPr>
-          <p:cNvSpPr/>
-          <p:nvPr/>
-        </p:nvSpPr>
-        <p:spPr>
-          <a:xfrm>
-            <a:off x="5258432" y="2957332"/>
+            <a:off x="8156526" y="5450480"/>
             <a:ext cx="4743887" cy="347187"/>
           </a:xfrm>
           <a:prstGeom prst="rect">
@@ -3829,12 +2812,203 @@
           </a:p>
         </p:txBody>
       </p:sp>
-      <p:sp>
-        <p:nvSpPr>
-          <p:cNvPr id="11" name="Text 5">
+    </p:spTree>
+  </p:cSld>
+  <p:clrMapOvr>
+    <a:masterClrMapping/>
+  </p:clrMapOvr>
+</p:sld>
+</file>
+
+<file path=ppt/slides/slide5.xml><?xml version="1.0" encoding="utf-8"?>
+<p:sld xmlns:a="http://schemas.openxmlformats.org/drawingml/2006/main" xmlns:r="http://schemas.openxmlformats.org/officeDocument/2006/relationships" xmlns:p="http://schemas.openxmlformats.org/presentationml/2006/main">
+  <p:cSld>
+    <p:spTree>
+      <p:nvGrpSpPr>
+        <p:cNvPr id="1" name=""/>
+        <p:cNvGrpSpPr/>
+        <p:nvPr/>
+      </p:nvGrpSpPr>
+      <p:grpSpPr>
+        <a:xfrm>
+          <a:off x="0" y="0"/>
+          <a:ext cx="0" cy="0"/>
+          <a:chOff x="0" y="0"/>
+          <a:chExt cx="0" cy="0"/>
+        </a:xfrm>
+      </p:grpSpPr>
+      <p:pic>
+        <p:nvPicPr>
+          <p:cNvPr id="2" name="Image 0" descr="preencoded.png"/>
+          <p:cNvPicPr>
+            <a:picLocks noChangeAspect="1"/>
+          </p:cNvPicPr>
+          <p:nvPr/>
+        </p:nvPicPr>
+        <p:blipFill>
+          <a:blip r:embed="rId3"/>
+          <a:stretch>
+            <a:fillRect/>
+          </a:stretch>
+        </p:blipFill>
+        <p:spPr>
+          <a:xfrm>
+            <a:off x="0" y="0"/>
+            <a:ext cx="14630400" cy="8229600"/>
+          </a:xfrm>
+          <a:prstGeom prst="rect">
+            <a:avLst/>
+          </a:prstGeom>
+        </p:spPr>
+      </p:pic>
+      <p:sp>
+        <p:nvSpPr>
+          <p:cNvPr id="3" name="Shape 0"/>
+          <p:cNvSpPr/>
+          <p:nvPr/>
+        </p:nvSpPr>
+        <p:spPr>
+          <a:xfrm>
+            <a:off x="0" y="0"/>
+            <a:ext cx="14630400" cy="8229600"/>
+          </a:xfrm>
+          <a:prstGeom prst="rect">
+            <a:avLst/>
+          </a:prstGeom>
+          <a:solidFill>
+            <a:srgbClr val="FFFFFF">
+              <a:alpha val="75000"/>
+            </a:srgbClr>
+          </a:solidFill>
+          <a:ln/>
+        </p:spPr>
+        <p:txBody>
+          <a:bodyPr/>
+          <a:lstStyle/>
+          <a:p>
+            <a:endParaRPr lang="fr-FR" dirty="0"/>
+          </a:p>
+        </p:txBody>
+      </p:sp>
+      <p:sp>
+        <p:nvSpPr>
+          <p:cNvPr id="5" name="Text 1"/>
+          <p:cNvSpPr/>
+          <p:nvPr/>
+        </p:nvSpPr>
+        <p:spPr>
+          <a:xfrm>
+            <a:off x="477797" y="587581"/>
+            <a:ext cx="8029447" cy="889528"/>
+          </a:xfrm>
+          <a:prstGeom prst="rect">
+            <a:avLst/>
+          </a:prstGeom>
+          <a:noFill/>
+          <a:ln/>
+        </p:spPr>
+        <p:txBody>
+          <a:bodyPr wrap="square" rtlCol="0" anchor="t"/>
+          <a:lstStyle/>
+          <a:p>
+            <a:pPr marL="0" indent="0">
+              <a:lnSpc>
+                <a:spcPts val="6561"/>
+              </a:lnSpc>
+              <a:buNone/>
+            </a:pPr>
+            <a:r>
+              <a:rPr lang="en-US" sz="5249" dirty="0"/>
+              <a:t>Communication entre robots</a:t>
+            </a:r>
+          </a:p>
+        </p:txBody>
+      </p:sp>
+      <p:sp>
+        <p:nvSpPr>
+          <p:cNvPr id="7" name="Shape 3"/>
+          <p:cNvSpPr/>
+          <p:nvPr/>
+        </p:nvSpPr>
+        <p:spPr>
+          <a:xfrm>
+            <a:off x="833199" y="5772626"/>
+            <a:ext cx="355402" cy="355402"/>
+          </a:xfrm>
+          <a:prstGeom prst="roundRect">
+            <a:avLst>
+              <a:gd name="adj" fmla="val 25726039"/>
+            </a:avLst>
+          </a:prstGeom>
+          <a:noFill/>
+          <a:ln w="7620">
+            <a:solidFill>
+              <a:srgbClr val="FFFFFF"/>
+            </a:solidFill>
+            <a:prstDash val="solid"/>
+          </a:ln>
+        </p:spPr>
+        <p:txBody>
+          <a:bodyPr/>
+          <a:lstStyle/>
+          <a:p>
+            <a:endParaRPr lang="fr-FR"/>
+          </a:p>
+        </p:txBody>
+      </p:sp>
+      <p:pic>
+        <p:nvPicPr>
+          <p:cNvPr id="1026" name="Picture 2" descr="Modbus TCP vs Modbus RTU : Quelles différences ? | IoT Industriel Blog">
             <a:extLst>
               <a:ext uri="{FF2B5EF4-FFF2-40B4-BE49-F238E27FC236}">
-                <a16:creationId xmlns:a16="http://schemas.microsoft.com/office/drawing/2014/main" id="{5D2786E3-A84A-C364-F379-C74655712155}"/>
+                <a16:creationId xmlns:a16="http://schemas.microsoft.com/office/drawing/2014/main" id="{AA8F96BE-2317-2AAB-F638-8CC326D0052E}"/>
+              </a:ext>
+            </a:extLst>
+          </p:cNvPr>
+          <p:cNvPicPr>
+            <a:picLocks noChangeAspect="1" noChangeArrowheads="1"/>
+          </p:cNvPicPr>
+          <p:nvPr/>
+        </p:nvPicPr>
+        <p:blipFill>
+          <a:blip r:embed="rId4">
+            <a:extLst>
+              <a:ext uri="{28A0092B-C50C-407E-A947-70E740481C1C}">
+                <a14:useLocalDpi xmlns:a14="http://schemas.microsoft.com/office/drawing/2010/main" val="0"/>
+              </a:ext>
+            </a:extLst>
+          </a:blip>
+          <a:srcRect/>
+          <a:stretch>
+            <a:fillRect/>
+          </a:stretch>
+        </p:blipFill>
+        <p:spPr bwMode="auto">
+          <a:xfrm>
+            <a:off x="8401140" y="1602465"/>
+            <a:ext cx="5922268" cy="3331275"/>
+          </a:xfrm>
+          <a:prstGeom prst="rect">
+            <a:avLst/>
+          </a:prstGeom>
+          <a:noFill/>
+          <a:extLst>
+            <a:ext uri="{909E8E84-426E-40DD-AFC4-6F175D3DCCD1}">
+              <a14:hiddenFill xmlns:a14="http://schemas.microsoft.com/office/drawing/2010/main">
+                <a:solidFill>
+                  <a:srgbClr val="FFFFFF"/>
+                </a:solidFill>
+              </a14:hiddenFill>
+            </a:ext>
+          </a:extLst>
+        </p:spPr>
+      </p:pic>
+      <p:sp>
+        <p:nvSpPr>
+          <p:cNvPr id="6" name="Text 9">
+            <a:extLst>
+              <a:ext uri="{FF2B5EF4-FFF2-40B4-BE49-F238E27FC236}">
+                <a16:creationId xmlns:a16="http://schemas.microsoft.com/office/drawing/2014/main" id="{64A8EDBF-CDDD-7AF2-CFEE-2F66D982D27B}"/>
               </a:ext>
             </a:extLst>
           </p:cNvPr>
@@ -3843,143 +3017,8 @@
         </p:nvSpPr>
         <p:spPr>
           <a:xfrm>
-            <a:off x="5258432" y="3949275"/>
-            <a:ext cx="6460307" cy="1174743"/>
-          </a:xfrm>
-          <a:prstGeom prst="rect">
-            <a:avLst/>
-          </a:prstGeom>
-          <a:noFill/>
-          <a:ln/>
-        </p:spPr>
-        <p:txBody>
-          <a:bodyPr wrap="square" rtlCol="0" anchor="t"/>
-          <a:lstStyle/>
-          <a:p>
-            <a:pPr marL="0" indent="0">
-              <a:lnSpc>
-                <a:spcPts val="2799"/>
-              </a:lnSpc>
-              <a:buNone/>
-            </a:pPr>
-            <a:r>
-              <a:rPr lang="en-US" sz="1750" kern="0" spc="-35" dirty="0">
-                <a:solidFill>
-                  <a:srgbClr val="272525"/>
-                </a:solidFill>
-                <a:latin typeface="Source Sans Pro" pitchFamily="34" charset="0"/>
-                <a:ea typeface="Source Sans Pro" pitchFamily="34" charset="-122"/>
-                <a:cs typeface="Source Sans Pro" pitchFamily="34" charset="-120"/>
-              </a:rPr>
-              <a:t>https://www.echosciences-paysdelaloire.fr/communautes/fete-de-la-science-dans-les-pays-de-la-loire/articles/quand-la-technologie-s-inspire-de-la-nature-la-robotique-en-essaim</a:t>
-            </a:r>
-            <a:endParaRPr lang="en-US" sz="1750" dirty="0"/>
-          </a:p>
-        </p:txBody>
-      </p:sp>
-      <p:sp>
-        <p:nvSpPr>
-          <p:cNvPr id="16" name="Shape 2">
-            <a:extLst>
-              <a:ext uri="{FF2B5EF4-FFF2-40B4-BE49-F238E27FC236}">
-                <a16:creationId xmlns:a16="http://schemas.microsoft.com/office/drawing/2014/main" id="{A3D0D7B3-39D6-1438-382A-CC25216C7F46}"/>
-              </a:ext>
-            </a:extLst>
-          </p:cNvPr>
-          <p:cNvSpPr/>
-          <p:nvPr/>
-        </p:nvSpPr>
-        <p:spPr>
-          <a:xfrm>
-            <a:off x="4597265" y="3567272"/>
-            <a:ext cx="499943" cy="499943"/>
-          </a:xfrm>
-          <a:prstGeom prst="roundRect">
-            <a:avLst>
-              <a:gd name="adj" fmla="val 20000"/>
-            </a:avLst>
-          </a:prstGeom>
-          <a:solidFill>
-            <a:srgbClr val="F0D4F7"/>
-          </a:solidFill>
-          <a:ln w="7620">
-            <a:solidFill>
-              <a:srgbClr val="D6BADD"/>
-            </a:solidFill>
-            <a:prstDash val="solid"/>
-          </a:ln>
-        </p:spPr>
-        <p:txBody>
-          <a:bodyPr/>
-          <a:lstStyle/>
-          <a:p>
-            <a:endParaRPr lang="fr-FR"/>
-          </a:p>
-        </p:txBody>
-      </p:sp>
-      <p:sp>
-        <p:nvSpPr>
-          <p:cNvPr id="17" name="Text 3">
-            <a:extLst>
-              <a:ext uri="{FF2B5EF4-FFF2-40B4-BE49-F238E27FC236}">
-                <a16:creationId xmlns:a16="http://schemas.microsoft.com/office/drawing/2014/main" id="{499AFA0A-BBE9-BA25-3773-72CF6604FD5C}"/>
-              </a:ext>
-            </a:extLst>
-          </p:cNvPr>
-          <p:cNvSpPr/>
-          <p:nvPr/>
-        </p:nvSpPr>
-        <p:spPr>
-          <a:xfrm>
-            <a:off x="4774733" y="3567523"/>
-            <a:ext cx="182999" cy="416481"/>
-          </a:xfrm>
-          <a:prstGeom prst="rect">
-            <a:avLst/>
-          </a:prstGeom>
-          <a:noFill/>
-          <a:ln/>
-        </p:spPr>
-        <p:txBody>
-          <a:bodyPr wrap="none" rtlCol="0" anchor="t"/>
-          <a:lstStyle/>
-          <a:p>
-            <a:pPr marL="0" indent="0" algn="ctr">
-              <a:lnSpc>
-                <a:spcPts val="3281"/>
-              </a:lnSpc>
-              <a:buNone/>
-            </a:pPr>
-            <a:r>
-              <a:rPr lang="en-US" sz="2624" b="1" kern="0" spc="-52" dirty="0">
-                <a:solidFill>
-                  <a:srgbClr val="272525"/>
-                </a:solidFill>
-                <a:latin typeface="adonis-web" pitchFamily="34" charset="0"/>
-                <a:ea typeface="adonis-web" pitchFamily="34" charset="-122"/>
-              </a:rPr>
-              <a:t>3</a:t>
-            </a:r>
-            <a:endParaRPr lang="en-US" sz="2624" dirty="0"/>
-          </a:p>
-        </p:txBody>
-      </p:sp>
-      <p:sp>
-        <p:nvSpPr>
-          <p:cNvPr id="18" name="Text 4">
-            <a:extLst>
-              <a:ext uri="{FF2B5EF4-FFF2-40B4-BE49-F238E27FC236}">
-                <a16:creationId xmlns:a16="http://schemas.microsoft.com/office/drawing/2014/main" id="{BC649B71-C8B3-D974-900A-4B9E4F188D31}"/>
-              </a:ext>
-            </a:extLst>
-          </p:cNvPr>
-          <p:cNvSpPr/>
-          <p:nvPr/>
-        </p:nvSpPr>
-        <p:spPr>
-          <a:xfrm>
-            <a:off x="5291507" y="3634555"/>
-            <a:ext cx="3638988" cy="322482"/>
+            <a:off x="1188601" y="2614156"/>
+            <a:ext cx="3312273" cy="347186"/>
           </a:xfrm>
           <a:prstGeom prst="rect">
             <a:avLst/>
@@ -3998,22 +3037,48 @@
               <a:buNone/>
             </a:pPr>
             <a:r>
-              <a:rPr lang="en-US" sz="2187" dirty="0" err="1"/>
-              <a:t>EchoSciences</a:t>
+              <a:rPr lang="en-US" sz="2187" b="1" kern="0" spc="-44" dirty="0">
+                <a:solidFill>
+                  <a:srgbClr val="272525"/>
+                </a:solidFill>
+                <a:latin typeface="adonis-web" pitchFamily="34" charset="0"/>
+                <a:ea typeface="adonis-web" pitchFamily="34" charset="-122"/>
+                <a:cs typeface="adonis-web" pitchFamily="34" charset="-120"/>
+              </a:rPr>
+              <a:t>Modbus TCP = client - </a:t>
             </a:r>
             <a:r>
-              <a:rPr lang="en-US" sz="2187" dirty="0"/>
-              <a:t> – Pays de la Loire</a:t>
+              <a:rPr lang="en-US" sz="2187" b="1" kern="0" spc="-44" dirty="0" err="1">
+                <a:solidFill>
+                  <a:srgbClr val="272525"/>
+                </a:solidFill>
+                <a:latin typeface="adonis-web" pitchFamily="34" charset="0"/>
+                <a:ea typeface="adonis-web" pitchFamily="34" charset="-122"/>
+                <a:cs typeface="adonis-web" pitchFamily="34" charset="-120"/>
+              </a:rPr>
+              <a:t>serveur</a:t>
             </a:r>
-          </a:p>
-        </p:txBody>
-      </p:sp>
-      <p:sp>
-        <p:nvSpPr>
-          <p:cNvPr id="12" name="Text 5">
+            <a:r>
+              <a:rPr lang="en-US" sz="2187" b="1" kern="0" spc="-44" dirty="0">
+                <a:solidFill>
+                  <a:srgbClr val="272525"/>
+                </a:solidFill>
+                <a:latin typeface="adonis-web" pitchFamily="34" charset="0"/>
+                <a:ea typeface="adonis-web" pitchFamily="34" charset="-122"/>
+                <a:cs typeface="adonis-web" pitchFamily="34" charset="-120"/>
+              </a:rPr>
+              <a:t> </a:t>
+            </a:r>
+            <a:endParaRPr lang="en-US" sz="2187" dirty="0"/>
+          </a:p>
+        </p:txBody>
+      </p:sp>
+      <p:sp>
+        <p:nvSpPr>
+          <p:cNvPr id="8" name="Text 9">
             <a:extLst>
               <a:ext uri="{FF2B5EF4-FFF2-40B4-BE49-F238E27FC236}">
-                <a16:creationId xmlns:a16="http://schemas.microsoft.com/office/drawing/2014/main" id="{4279AEA6-04C4-6F72-ABE0-25B293D21124}"/>
+                <a16:creationId xmlns:a16="http://schemas.microsoft.com/office/drawing/2014/main" id="{574B7902-2F9F-16D8-3AF8-9FABBC22A25B}"/>
               </a:ext>
             </a:extLst>
           </p:cNvPr>
@@ -4022,56 +3087,8 @@
         </p:nvSpPr>
         <p:spPr>
           <a:xfrm>
-            <a:off x="5227085" y="5503989"/>
-            <a:ext cx="6460307" cy="854099"/>
-          </a:xfrm>
-          <a:prstGeom prst="rect">
-            <a:avLst/>
-          </a:prstGeom>
-          <a:noFill/>
-          <a:ln/>
-        </p:spPr>
-        <p:txBody>
-          <a:bodyPr wrap="square" rtlCol="0" anchor="t"/>
-          <a:lstStyle/>
-          <a:p>
-            <a:pPr marL="0" indent="0">
-              <a:lnSpc>
-                <a:spcPts val="2799"/>
-              </a:lnSpc>
-              <a:buNone/>
-            </a:pPr>
-            <a:r>
-              <a:rPr lang="en-US" sz="1750" kern="0" spc="-35" dirty="0">
-                <a:solidFill>
-                  <a:srgbClr val="272525"/>
-                </a:solidFill>
-                <a:latin typeface="Source Sans Pro" pitchFamily="34" charset="0"/>
-                <a:ea typeface="Source Sans Pro" pitchFamily="34" charset="-122"/>
-                <a:cs typeface="Source Sans Pro" pitchFamily="34" charset="-120"/>
-              </a:rPr>
-              <a:t>https://today.oregonstate.edu/news/one-person-can-supervise-‘swarm’-100-unmanned-autonomous-vehicles-osu-research-shows</a:t>
-            </a:r>
-            <a:endParaRPr lang="en-US" sz="1750" dirty="0"/>
-          </a:p>
-        </p:txBody>
-      </p:sp>
-      <p:sp>
-        <p:nvSpPr>
-          <p:cNvPr id="19" name="Text 4">
-            <a:extLst>
-              <a:ext uri="{FF2B5EF4-FFF2-40B4-BE49-F238E27FC236}">
-                <a16:creationId xmlns:a16="http://schemas.microsoft.com/office/drawing/2014/main" id="{58513EFE-B7DD-72E3-E143-53F0CEA5CE38}"/>
-              </a:ext>
-            </a:extLst>
-          </p:cNvPr>
-          <p:cNvSpPr/>
-          <p:nvPr/>
-        </p:nvSpPr>
-        <p:spPr>
-          <a:xfrm>
-            <a:off x="5291507" y="5161599"/>
-            <a:ext cx="3638988" cy="322482"/>
+            <a:off x="1188601" y="3941207"/>
+            <a:ext cx="3312273" cy="347186"/>
           </a:xfrm>
           <a:prstGeom prst="rect">
             <a:avLst/>
@@ -4090,278 +3107,46 @@
               <a:buNone/>
             </a:pPr>
             <a:r>
-              <a:rPr lang="en-US" sz="2187" dirty="0"/>
-              <a:t>Oregon State University (OSU)</a:t>
-            </a:r>
-          </a:p>
-        </p:txBody>
-      </p:sp>
-      <p:sp>
-        <p:nvSpPr>
-          <p:cNvPr id="20" name="Shape 2">
-            <a:extLst>
-              <a:ext uri="{FF2B5EF4-FFF2-40B4-BE49-F238E27FC236}">
-                <a16:creationId xmlns:a16="http://schemas.microsoft.com/office/drawing/2014/main" id="{399B0AE8-3509-C5D5-A001-1BFD499FEBB9}"/>
-              </a:ext>
-            </a:extLst>
-          </p:cNvPr>
-          <p:cNvSpPr/>
-          <p:nvPr/>
-        </p:nvSpPr>
-        <p:spPr>
-          <a:xfrm>
-            <a:off x="4629160" y="5125818"/>
-            <a:ext cx="499943" cy="499943"/>
-          </a:xfrm>
-          <a:prstGeom prst="roundRect">
-            <a:avLst>
-              <a:gd name="adj" fmla="val 20000"/>
-            </a:avLst>
-          </a:prstGeom>
-          <a:solidFill>
-            <a:srgbClr val="F0D4F7"/>
-          </a:solidFill>
-          <a:ln w="7620">
-            <a:solidFill>
-              <a:srgbClr val="D6BADD"/>
-            </a:solidFill>
-            <a:prstDash val="solid"/>
-          </a:ln>
-        </p:spPr>
-        <p:txBody>
-          <a:bodyPr/>
-          <a:lstStyle/>
-          <a:p>
-            <a:endParaRPr lang="fr-FR"/>
-          </a:p>
-        </p:txBody>
-      </p:sp>
-      <p:sp>
-        <p:nvSpPr>
-          <p:cNvPr id="21" name="Text 3">
-            <a:extLst>
-              <a:ext uri="{FF2B5EF4-FFF2-40B4-BE49-F238E27FC236}">
-                <a16:creationId xmlns:a16="http://schemas.microsoft.com/office/drawing/2014/main" id="{B78AA307-A1E4-159B-3EA9-F1B81273C91D}"/>
-              </a:ext>
-            </a:extLst>
-          </p:cNvPr>
-          <p:cNvSpPr/>
-          <p:nvPr/>
-        </p:nvSpPr>
-        <p:spPr>
-          <a:xfrm>
-            <a:off x="4774734" y="5156198"/>
-            <a:ext cx="182999" cy="416481"/>
-          </a:xfrm>
-          <a:prstGeom prst="rect">
-            <a:avLst/>
-          </a:prstGeom>
-          <a:noFill/>
-          <a:ln/>
-        </p:spPr>
-        <p:txBody>
-          <a:bodyPr wrap="none" rtlCol="0" anchor="t"/>
-          <a:lstStyle/>
-          <a:p>
-            <a:pPr marL="0" indent="0" algn="ctr">
-              <a:lnSpc>
-                <a:spcPts val="3281"/>
-              </a:lnSpc>
-              <a:buNone/>
-            </a:pPr>
-            <a:r>
-              <a:rPr lang="en-US" sz="2624" b="1" kern="0" spc="-52" dirty="0">
+              <a:rPr lang="en-US" sz="2187" b="1" kern="0" spc="-44" dirty="0">
                 <a:solidFill>
                   <a:srgbClr val="272525"/>
                 </a:solidFill>
                 <a:latin typeface="adonis-web" pitchFamily="34" charset="0"/>
                 <a:ea typeface="adonis-web" pitchFamily="34" charset="-122"/>
+                <a:cs typeface="adonis-web" pitchFamily="34" charset="-120"/>
               </a:rPr>
-              <a:t>4</a:t>
+              <a:t>Modbus RTU = maître - </a:t>
             </a:r>
-            <a:endParaRPr lang="en-US" sz="2624" dirty="0"/>
-          </a:p>
-        </p:txBody>
-      </p:sp>
-      <p:sp>
-        <p:nvSpPr>
-          <p:cNvPr id="22" name="Text 5">
-            <a:extLst>
-              <a:ext uri="{FF2B5EF4-FFF2-40B4-BE49-F238E27FC236}">
-                <a16:creationId xmlns:a16="http://schemas.microsoft.com/office/drawing/2014/main" id="{3AB07BEE-BA2D-59E2-6C73-AC151670BF34}"/>
-              </a:ext>
-            </a:extLst>
-          </p:cNvPr>
-          <p:cNvSpPr/>
-          <p:nvPr/>
-        </p:nvSpPr>
-        <p:spPr>
-          <a:xfrm>
-            <a:off x="5227085" y="6786296"/>
-            <a:ext cx="6460307" cy="507547"/>
-          </a:xfrm>
-          <a:prstGeom prst="rect">
-            <a:avLst/>
-          </a:prstGeom>
-          <a:noFill/>
-          <a:ln/>
-        </p:spPr>
-        <p:txBody>
-          <a:bodyPr wrap="square" rtlCol="0" anchor="t"/>
-          <a:lstStyle/>
-          <a:p>
-            <a:pPr marL="0" indent="0">
-              <a:lnSpc>
-                <a:spcPts val="2799"/>
-              </a:lnSpc>
-              <a:buNone/>
-            </a:pPr>
             <a:r>
-              <a:rPr lang="en-US" sz="1750" kern="0" spc="-35" dirty="0">
-                <a:solidFill>
-                  <a:srgbClr val="272525"/>
-                </a:solidFill>
-                <a:latin typeface="Source Sans Pro" pitchFamily="34" charset="0"/>
-                <a:ea typeface="Source Sans Pro" pitchFamily="34" charset="-122"/>
-                <a:cs typeface="Source Sans Pro" pitchFamily="34" charset="-120"/>
-              </a:rPr>
-              <a:t>https://onlinedegrees.sandiego.edu/application-of-ai-in-robotics/</a:t>
-            </a:r>
-            <a:endParaRPr lang="en-US" sz="1750" dirty="0"/>
-          </a:p>
-        </p:txBody>
-      </p:sp>
-      <p:sp>
-        <p:nvSpPr>
-          <p:cNvPr id="23" name="Text 4">
-            <a:extLst>
-              <a:ext uri="{FF2B5EF4-FFF2-40B4-BE49-F238E27FC236}">
-                <a16:creationId xmlns:a16="http://schemas.microsoft.com/office/drawing/2014/main" id="{A89AF988-ABFD-C7BC-9B76-CF5AE564D08F}"/>
-              </a:ext>
-            </a:extLst>
-          </p:cNvPr>
-          <p:cNvSpPr/>
-          <p:nvPr/>
-        </p:nvSpPr>
-        <p:spPr>
-          <a:xfrm>
-            <a:off x="5258433" y="6377996"/>
-            <a:ext cx="3638988" cy="322482"/>
-          </a:xfrm>
-          <a:prstGeom prst="rect">
-            <a:avLst/>
-          </a:prstGeom>
-          <a:noFill/>
-          <a:ln/>
-        </p:spPr>
-        <p:txBody>
-          <a:bodyPr wrap="none" rtlCol="0" anchor="t"/>
-          <a:lstStyle/>
-          <a:p>
-            <a:pPr marL="0" indent="0">
-              <a:lnSpc>
-                <a:spcPts val="2734"/>
-              </a:lnSpc>
-              <a:buNone/>
-            </a:pPr>
-            <a:r>
-              <a:rPr lang="en-US" sz="2187" dirty="0"/>
-              <a:t>University of San Diego</a:t>
-            </a:r>
-          </a:p>
-        </p:txBody>
-      </p:sp>
-      <p:sp>
-        <p:nvSpPr>
-          <p:cNvPr id="24" name="Shape 2">
-            <a:extLst>
-              <a:ext uri="{FF2B5EF4-FFF2-40B4-BE49-F238E27FC236}">
-                <a16:creationId xmlns:a16="http://schemas.microsoft.com/office/drawing/2014/main" id="{EF9A98F0-DD94-A0B2-5E3F-4ECFD17BBBAA}"/>
-              </a:ext>
-            </a:extLst>
-          </p:cNvPr>
-          <p:cNvSpPr/>
-          <p:nvPr/>
-        </p:nvSpPr>
-        <p:spPr>
-          <a:xfrm>
-            <a:off x="4630719" y="6370665"/>
-            <a:ext cx="499943" cy="499943"/>
-          </a:xfrm>
-          <a:prstGeom prst="roundRect">
-            <a:avLst>
-              <a:gd name="adj" fmla="val 20000"/>
-            </a:avLst>
-          </a:prstGeom>
-          <a:solidFill>
-            <a:srgbClr val="F0D4F7"/>
-          </a:solidFill>
-          <a:ln w="7620">
-            <a:solidFill>
-              <a:srgbClr val="D6BADD"/>
-            </a:solidFill>
-            <a:prstDash val="solid"/>
-          </a:ln>
-        </p:spPr>
-        <p:txBody>
-          <a:bodyPr/>
-          <a:lstStyle/>
-          <a:p>
-            <a:endParaRPr lang="fr-FR"/>
-          </a:p>
-        </p:txBody>
-      </p:sp>
-      <p:sp>
-        <p:nvSpPr>
-          <p:cNvPr id="25" name="Text 3">
-            <a:extLst>
-              <a:ext uri="{FF2B5EF4-FFF2-40B4-BE49-F238E27FC236}">
-                <a16:creationId xmlns:a16="http://schemas.microsoft.com/office/drawing/2014/main" id="{79A047A4-269D-82B0-3CFA-8FA48F688622}"/>
-              </a:ext>
-            </a:extLst>
-          </p:cNvPr>
-          <p:cNvSpPr/>
-          <p:nvPr/>
-        </p:nvSpPr>
-        <p:spPr>
-          <a:xfrm>
-            <a:off x="4787631" y="6369815"/>
-            <a:ext cx="182999" cy="416481"/>
-          </a:xfrm>
-          <a:prstGeom prst="rect">
-            <a:avLst/>
-          </a:prstGeom>
-          <a:noFill/>
-          <a:ln/>
-        </p:spPr>
-        <p:txBody>
-          <a:bodyPr wrap="none" rtlCol="0" anchor="t"/>
-          <a:lstStyle/>
-          <a:p>
-            <a:pPr marL="0" indent="0" algn="ctr">
-              <a:lnSpc>
-                <a:spcPts val="3281"/>
-              </a:lnSpc>
-              <a:buNone/>
-            </a:pPr>
-            <a:r>
-              <a:rPr lang="en-US" sz="2624" b="1" kern="0" spc="-52" dirty="0">
+              <a:rPr lang="en-US" sz="2187" b="1" kern="0" spc="-44" dirty="0" err="1">
                 <a:solidFill>
                   <a:srgbClr val="272525"/>
                 </a:solidFill>
                 <a:latin typeface="adonis-web" pitchFamily="34" charset="0"/>
                 <a:ea typeface="adonis-web" pitchFamily="34" charset="-122"/>
+                <a:cs typeface="adonis-web" pitchFamily="34" charset="-120"/>
               </a:rPr>
-              <a:t>5</a:t>
+              <a:t>esclave</a:t>
             </a:r>
-            <a:endParaRPr lang="en-US" sz="2624" dirty="0"/>
+            <a:r>
+              <a:rPr lang="en-US" sz="2187" b="1" kern="0" spc="-44" dirty="0">
+                <a:solidFill>
+                  <a:srgbClr val="272525"/>
+                </a:solidFill>
+                <a:latin typeface="adonis-web" pitchFamily="34" charset="0"/>
+                <a:ea typeface="adonis-web" pitchFamily="34" charset="-122"/>
+                <a:cs typeface="adonis-web" pitchFamily="34" charset="-120"/>
+              </a:rPr>
+              <a:t> </a:t>
+            </a:r>
+            <a:endParaRPr lang="en-US" sz="2187" dirty="0"/>
           </a:p>
         </p:txBody>
       </p:sp>
     </p:spTree>
     <p:extLst>
       <p:ext uri="{BB962C8B-B14F-4D97-AF65-F5344CB8AC3E}">
-        <p14:creationId xmlns:p14="http://schemas.microsoft.com/office/powerpoint/2010/main" val="358440494"/>
+        <p14:creationId xmlns:p14="http://schemas.microsoft.com/office/powerpoint/2010/main" val="1725272415"/>
       </p:ext>
     </p:extLst>
   </p:cSld>
@@ -4982,6 +3767,15 @@
 </file>
 
 <file path=customXml/item1.xml><?xml version="1.0" encoding="utf-8"?>
+<?mso-contentType ?>
+<FormTemplates xmlns="http://schemas.microsoft.com/sharepoint/v3/contenttype/forms">
+  <Display>DocumentLibraryForm</Display>
+  <Edit>DocumentLibraryForm</Edit>
+  <New>DocumentLibraryForm</New>
+</FormTemplates>
+</file>
+
+<file path=customXml/item2.xml><?xml version="1.0" encoding="utf-8"?>
 <ct:contentTypeSchema xmlns:ct="http://schemas.microsoft.com/office/2006/metadata/contentType" xmlns:ma="http://schemas.microsoft.com/office/2006/metadata/properties/metaAttributes" ct:_="" ma:_="" ma:contentTypeName="Document" ma:contentTypeID="0x010100C3B3A4F7AF0524468A0122AE5CAC3A63" ma:contentTypeVersion="5" ma:contentTypeDescription="Crée un document." ma:contentTypeScope="" ma:versionID="14943a38f3f75424c2662de040ab2b6f">
   <xsd:schema xmlns:xsd="http://www.w3.org/2001/XMLSchema" xmlns:xs="http://www.w3.org/2001/XMLSchema" xmlns:p="http://schemas.microsoft.com/office/2006/metadata/properties" xmlns:ns2="07ce9906-2010-497a-a1a4-b77ce3020425" targetNamespace="http://schemas.microsoft.com/office/2006/metadata/properties" ma:root="true" ma:fieldsID="801fbb00e2f7f63a195595bf049f6f31" ns2:_="">
     <xsd:import namespace="07ce9906-2010-497a-a1a4-b77ce3020425"/>
@@ -5131,16 +3925,15 @@
 </ct:contentTypeSchema>
 </file>
 
-<file path=customXml/item2.xml><?xml version="1.0" encoding="utf-8"?>
-<?mso-contentType ?>
-<FormTemplates xmlns="http://schemas.microsoft.com/sharepoint/v3/contenttype/forms">
-  <Display>DocumentLibraryForm</Display>
-  <Edit>DocumentLibraryForm</Edit>
-  <New>DocumentLibraryForm</New>
-</FormTemplates>
+<file path=customXml/itemProps1.xml><?xml version="1.0" encoding="utf-8"?>
+<ds:datastoreItem xmlns:ds="http://schemas.openxmlformats.org/officeDocument/2006/customXml" ds:itemID="{8C788925-2CD2-4692-99A2-C5E7BCF27CA3}">
+  <ds:schemaRefs>
+    <ds:schemaRef ds:uri="http://schemas.microsoft.com/sharepoint/v3/contenttype/forms"/>
+  </ds:schemaRefs>
+</ds:datastoreItem>
 </file>
 
-<file path=customXml/itemProps1.xml><?xml version="1.0" encoding="utf-8"?>
+<file path=customXml/itemProps2.xml><?xml version="1.0" encoding="utf-8"?>
 <ds:datastoreItem xmlns:ds="http://schemas.openxmlformats.org/officeDocument/2006/customXml" ds:itemID="{327CC4DE-9A0A-4939-ABCE-0A4F31C7B859}">
   <ds:schemaRefs>
     <ds:schemaRef ds:uri="http://schemas.microsoft.com/office/2006/metadata/contentType"/>
@@ -5156,12 +3949,4 @@
     <ds:schemaRef ds:uri="http://schemas.microsoft.com/internal/obd"/>
   </ds:schemaRefs>
 </ds:datastoreItem>
-</file>
-
-<file path=customXml/itemProps2.xml><?xml version="1.0" encoding="utf-8"?>
-<ds:datastoreItem xmlns:ds="http://schemas.openxmlformats.org/officeDocument/2006/customXml" ds:itemID="{8C788925-2CD2-4692-99A2-C5E7BCF27CA3}">
-  <ds:schemaRefs>
-    <ds:schemaRef ds:uri="http://schemas.microsoft.com/sharepoint/v3/contenttype/forms"/>
-  </ds:schemaRefs>
-</ds:datastoreItem>
 </file>